--- a/jeewms/doc/JEEWMS简易操作手册.pptx
+++ b/jeewms/doc/JEEWMS简易操作手册.pptx
@@ -5,25 +5,25 @@
     <p:sldMasterId id="2147483648" r:id="rId1"/>
   </p:sldMasterIdLst>
   <p:sldIdLst>
-    <p:sldId id="256" r:id="rId3"/>
-    <p:sldId id="257" r:id="rId4"/>
-    <p:sldId id="258" r:id="rId5"/>
-    <p:sldId id="260" r:id="rId6"/>
-    <p:sldId id="261" r:id="rId7"/>
-    <p:sldId id="262" r:id="rId8"/>
-    <p:sldId id="263" r:id="rId9"/>
-    <p:sldId id="264" r:id="rId10"/>
-    <p:sldId id="266" r:id="rId11"/>
-    <p:sldId id="265" r:id="rId12"/>
-    <p:sldId id="267" r:id="rId13"/>
-    <p:sldId id="268" r:id="rId14"/>
-    <p:sldId id="269" r:id="rId15"/>
-    <p:sldId id="270" r:id="rId16"/>
+    <p:sldId id="256" r:id="rId2"/>
+    <p:sldId id="257" r:id="rId3"/>
+    <p:sldId id="258" r:id="rId4"/>
+    <p:sldId id="260" r:id="rId5"/>
+    <p:sldId id="261" r:id="rId6"/>
+    <p:sldId id="262" r:id="rId7"/>
+    <p:sldId id="263" r:id="rId8"/>
+    <p:sldId id="264" r:id="rId9"/>
+    <p:sldId id="266" r:id="rId10"/>
+    <p:sldId id="265" r:id="rId11"/>
+    <p:sldId id="267" r:id="rId12"/>
+    <p:sldId id="268" r:id="rId13"/>
+    <p:sldId id="269" r:id="rId14"/>
+    <p:sldId id="270" r:id="rId15"/>
   </p:sldIdLst>
   <p:sldSz cx="12192000" cy="6858000"/>
   <p:notesSz cx="6858000" cy="9144000"/>
   <p:custDataLst>
-    <p:tags r:id="rId20"/>
+    <p:tags r:id="rId16"/>
   </p:custDataLst>
   <p:defaultTextStyle>
     <a:defPPr>
@@ -184,7 +184,6 @@
               <a:rPr lang="zh-CN" altLang="en-US"/>
               <a:t>单击此处编辑母版标题样式</a:t>
             </a:r>
-            <a:endParaRPr lang="zh-CN" altLang="en-US"/>
           </a:p>
         </p:txBody>
       </p:sp>
@@ -249,7 +248,6 @@
               <a:rPr lang="zh-CN" altLang="en-US"/>
               <a:t>单击此处编辑母版副标题样式</a:t>
             </a:r>
-            <a:endParaRPr lang="zh-CN" altLang="en-US"/>
           </a:p>
         </p:txBody>
       </p:sp>
@@ -270,6 +268,7 @@
           <a:p>
             <a:fld id="{A1FA6FFC-C70C-4620-9505-2F6ADFF98B8F}" type="datetimeFigureOut">
               <a:rPr lang="zh-CN" altLang="en-US" smtClean="0"/>
+              <a:t>2023/10/24</a:t>
             </a:fld>
             <a:endParaRPr lang="zh-CN" altLang="en-US"/>
           </a:p>
@@ -311,6 +310,7 @@
           <a:p>
             <a:fld id="{4456821F-5CF5-4456-95B8-FA8955667817}" type="slidenum">
               <a:rPr lang="zh-CN" altLang="en-US" smtClean="0"/>
+              <a:t>‹#›</a:t>
             </a:fld>
             <a:endParaRPr lang="zh-CN" altLang="en-US"/>
           </a:p>
@@ -360,7 +360,6 @@
               <a:rPr lang="zh-CN" altLang="en-US"/>
               <a:t>单击此处编辑母版标题样式</a:t>
             </a:r>
-            <a:endParaRPr lang="zh-CN" altLang="en-US"/>
           </a:p>
         </p:txBody>
       </p:sp>
@@ -384,7 +383,6 @@
               <a:rPr lang="zh-CN" altLang="en-US"/>
               <a:t>编辑母版文本样式</a:t>
             </a:r>
-            <a:endParaRPr lang="zh-CN" altLang="en-US"/>
           </a:p>
           <a:p>
             <a:pPr lvl="1"/>
@@ -392,7 +390,6 @@
               <a:rPr lang="zh-CN" altLang="en-US"/>
               <a:t>第二级</a:t>
             </a:r>
-            <a:endParaRPr lang="zh-CN" altLang="en-US"/>
           </a:p>
           <a:p>
             <a:pPr lvl="2"/>
@@ -400,7 +397,6 @@
               <a:rPr lang="zh-CN" altLang="en-US"/>
               <a:t>第三级</a:t>
             </a:r>
-            <a:endParaRPr lang="zh-CN" altLang="en-US"/>
           </a:p>
           <a:p>
             <a:pPr lvl="3"/>
@@ -408,7 +404,6 @@
               <a:rPr lang="zh-CN" altLang="en-US"/>
               <a:t>第四级</a:t>
             </a:r>
-            <a:endParaRPr lang="zh-CN" altLang="en-US"/>
           </a:p>
           <a:p>
             <a:pPr lvl="4"/>
@@ -416,7 +411,6 @@
               <a:rPr lang="zh-CN" altLang="en-US"/>
               <a:t>第五级</a:t>
             </a:r>
-            <a:endParaRPr lang="zh-CN" altLang="en-US"/>
           </a:p>
         </p:txBody>
       </p:sp>
@@ -437,6 +431,7 @@
           <a:p>
             <a:fld id="{A1FA6FFC-C70C-4620-9505-2F6ADFF98B8F}" type="datetimeFigureOut">
               <a:rPr lang="zh-CN" altLang="en-US" smtClean="0"/>
+              <a:t>2023/10/24</a:t>
             </a:fld>
             <a:endParaRPr lang="zh-CN" altLang="en-US"/>
           </a:p>
@@ -478,6 +473,7 @@
           <a:p>
             <a:fld id="{4456821F-5CF5-4456-95B8-FA8955667817}" type="slidenum">
               <a:rPr lang="zh-CN" altLang="en-US" smtClean="0"/>
+              <a:t>‹#›</a:t>
             </a:fld>
             <a:endParaRPr lang="zh-CN" altLang="en-US"/>
           </a:p>
@@ -532,7 +528,6 @@
               <a:rPr lang="zh-CN" altLang="en-US"/>
               <a:t>单击此处编辑母版标题样式</a:t>
             </a:r>
-            <a:endParaRPr lang="zh-CN" altLang="en-US"/>
           </a:p>
         </p:txBody>
       </p:sp>
@@ -561,7 +556,6 @@
               <a:rPr lang="zh-CN" altLang="en-US"/>
               <a:t>编辑母版文本样式</a:t>
             </a:r>
-            <a:endParaRPr lang="zh-CN" altLang="en-US"/>
           </a:p>
           <a:p>
             <a:pPr lvl="1"/>
@@ -569,7 +563,6 @@
               <a:rPr lang="zh-CN" altLang="en-US"/>
               <a:t>第二级</a:t>
             </a:r>
-            <a:endParaRPr lang="zh-CN" altLang="en-US"/>
           </a:p>
           <a:p>
             <a:pPr lvl="2"/>
@@ -577,7 +570,6 @@
               <a:rPr lang="zh-CN" altLang="en-US"/>
               <a:t>第三级</a:t>
             </a:r>
-            <a:endParaRPr lang="zh-CN" altLang="en-US"/>
           </a:p>
           <a:p>
             <a:pPr lvl="3"/>
@@ -585,7 +577,6 @@
               <a:rPr lang="zh-CN" altLang="en-US"/>
               <a:t>第四级</a:t>
             </a:r>
-            <a:endParaRPr lang="zh-CN" altLang="en-US"/>
           </a:p>
           <a:p>
             <a:pPr lvl="4"/>
@@ -593,7 +584,6 @@
               <a:rPr lang="zh-CN" altLang="en-US"/>
               <a:t>第五级</a:t>
             </a:r>
-            <a:endParaRPr lang="zh-CN" altLang="en-US"/>
           </a:p>
         </p:txBody>
       </p:sp>
@@ -614,6 +604,7 @@
           <a:p>
             <a:fld id="{A1FA6FFC-C70C-4620-9505-2F6ADFF98B8F}" type="datetimeFigureOut">
               <a:rPr lang="zh-CN" altLang="en-US" smtClean="0"/>
+              <a:t>2023/10/24</a:t>
             </a:fld>
             <a:endParaRPr lang="zh-CN" altLang="en-US"/>
           </a:p>
@@ -655,6 +646,7 @@
           <a:p>
             <a:fld id="{4456821F-5CF5-4456-95B8-FA8955667817}" type="slidenum">
               <a:rPr lang="zh-CN" altLang="en-US" smtClean="0"/>
+              <a:t>‹#›</a:t>
             </a:fld>
             <a:endParaRPr lang="zh-CN" altLang="en-US"/>
           </a:p>
@@ -704,7 +696,6 @@
               <a:rPr lang="zh-CN" altLang="en-US"/>
               <a:t>单击此处编辑母版标题样式</a:t>
             </a:r>
-            <a:endParaRPr lang="zh-CN" altLang="en-US"/>
           </a:p>
         </p:txBody>
       </p:sp>
@@ -728,7 +719,6 @@
               <a:rPr lang="zh-CN" altLang="en-US"/>
               <a:t>编辑母版文本样式</a:t>
             </a:r>
-            <a:endParaRPr lang="zh-CN" altLang="en-US"/>
           </a:p>
           <a:p>
             <a:pPr lvl="1"/>
@@ -736,7 +726,6 @@
               <a:rPr lang="zh-CN" altLang="en-US"/>
               <a:t>第二级</a:t>
             </a:r>
-            <a:endParaRPr lang="zh-CN" altLang="en-US"/>
           </a:p>
           <a:p>
             <a:pPr lvl="2"/>
@@ -744,7 +733,6 @@
               <a:rPr lang="zh-CN" altLang="en-US"/>
               <a:t>第三级</a:t>
             </a:r>
-            <a:endParaRPr lang="zh-CN" altLang="en-US"/>
           </a:p>
           <a:p>
             <a:pPr lvl="3"/>
@@ -752,7 +740,6 @@
               <a:rPr lang="zh-CN" altLang="en-US"/>
               <a:t>第四级</a:t>
             </a:r>
-            <a:endParaRPr lang="zh-CN" altLang="en-US"/>
           </a:p>
           <a:p>
             <a:pPr lvl="4"/>
@@ -760,7 +747,6 @@
               <a:rPr lang="zh-CN" altLang="en-US"/>
               <a:t>第五级</a:t>
             </a:r>
-            <a:endParaRPr lang="zh-CN" altLang="en-US"/>
           </a:p>
         </p:txBody>
       </p:sp>
@@ -781,6 +767,7 @@
           <a:p>
             <a:fld id="{A1FA6FFC-C70C-4620-9505-2F6ADFF98B8F}" type="datetimeFigureOut">
               <a:rPr lang="zh-CN" altLang="en-US" smtClean="0"/>
+              <a:t>2023/10/24</a:t>
             </a:fld>
             <a:endParaRPr lang="zh-CN" altLang="en-US"/>
           </a:p>
@@ -822,6 +809,7 @@
           <a:p>
             <a:fld id="{4456821F-5CF5-4456-95B8-FA8955667817}" type="slidenum">
               <a:rPr lang="zh-CN" altLang="en-US" smtClean="0"/>
+              <a:t>‹#›</a:t>
             </a:fld>
             <a:endParaRPr lang="zh-CN" altLang="en-US"/>
           </a:p>
@@ -880,7 +868,6 @@
               <a:rPr lang="zh-CN" altLang="en-US"/>
               <a:t>单击此处编辑母版标题样式</a:t>
             </a:r>
-            <a:endParaRPr lang="zh-CN" altLang="en-US"/>
           </a:p>
         </p:txBody>
       </p:sp>
@@ -1000,7 +987,6 @@
               <a:rPr lang="zh-CN" altLang="en-US"/>
               <a:t>编辑母版文本样式</a:t>
             </a:r>
-            <a:endParaRPr lang="zh-CN" altLang="en-US"/>
           </a:p>
         </p:txBody>
       </p:sp>
@@ -1021,6 +1007,7 @@
           <a:p>
             <a:fld id="{A1FA6FFC-C70C-4620-9505-2F6ADFF98B8F}" type="datetimeFigureOut">
               <a:rPr lang="zh-CN" altLang="en-US" smtClean="0"/>
+              <a:t>2023/10/24</a:t>
             </a:fld>
             <a:endParaRPr lang="zh-CN" altLang="en-US"/>
           </a:p>
@@ -1062,6 +1049,7 @@
           <a:p>
             <a:fld id="{4456821F-5CF5-4456-95B8-FA8955667817}" type="slidenum">
               <a:rPr lang="zh-CN" altLang="en-US" smtClean="0"/>
+              <a:t>‹#›</a:t>
             </a:fld>
             <a:endParaRPr lang="zh-CN" altLang="en-US"/>
           </a:p>
@@ -1111,7 +1099,6 @@
               <a:rPr lang="zh-CN" altLang="en-US"/>
               <a:t>单击此处编辑母版标题样式</a:t>
             </a:r>
-            <a:endParaRPr lang="zh-CN" altLang="en-US"/>
           </a:p>
         </p:txBody>
       </p:sp>
@@ -1140,7 +1127,6 @@
               <a:rPr lang="zh-CN" altLang="en-US"/>
               <a:t>编辑母版文本样式</a:t>
             </a:r>
-            <a:endParaRPr lang="zh-CN" altLang="en-US"/>
           </a:p>
           <a:p>
             <a:pPr lvl="1"/>
@@ -1148,7 +1134,6 @@
               <a:rPr lang="zh-CN" altLang="en-US"/>
               <a:t>第二级</a:t>
             </a:r>
-            <a:endParaRPr lang="zh-CN" altLang="en-US"/>
           </a:p>
           <a:p>
             <a:pPr lvl="2"/>
@@ -1156,7 +1141,6 @@
               <a:rPr lang="zh-CN" altLang="en-US"/>
               <a:t>第三级</a:t>
             </a:r>
-            <a:endParaRPr lang="zh-CN" altLang="en-US"/>
           </a:p>
           <a:p>
             <a:pPr lvl="3"/>
@@ -1164,7 +1148,6 @@
               <a:rPr lang="zh-CN" altLang="en-US"/>
               <a:t>第四级</a:t>
             </a:r>
-            <a:endParaRPr lang="zh-CN" altLang="en-US"/>
           </a:p>
           <a:p>
             <a:pPr lvl="4"/>
@@ -1172,7 +1155,6 @@
               <a:rPr lang="zh-CN" altLang="en-US"/>
               <a:t>第五级</a:t>
             </a:r>
-            <a:endParaRPr lang="zh-CN" altLang="en-US"/>
           </a:p>
         </p:txBody>
       </p:sp>
@@ -1201,7 +1183,6 @@
               <a:rPr lang="zh-CN" altLang="en-US"/>
               <a:t>编辑母版文本样式</a:t>
             </a:r>
-            <a:endParaRPr lang="zh-CN" altLang="en-US"/>
           </a:p>
           <a:p>
             <a:pPr lvl="1"/>
@@ -1209,7 +1190,6 @@
               <a:rPr lang="zh-CN" altLang="en-US"/>
               <a:t>第二级</a:t>
             </a:r>
-            <a:endParaRPr lang="zh-CN" altLang="en-US"/>
           </a:p>
           <a:p>
             <a:pPr lvl="2"/>
@@ -1217,7 +1197,6 @@
               <a:rPr lang="zh-CN" altLang="en-US"/>
               <a:t>第三级</a:t>
             </a:r>
-            <a:endParaRPr lang="zh-CN" altLang="en-US"/>
           </a:p>
           <a:p>
             <a:pPr lvl="3"/>
@@ -1225,7 +1204,6 @@
               <a:rPr lang="zh-CN" altLang="en-US"/>
               <a:t>第四级</a:t>
             </a:r>
-            <a:endParaRPr lang="zh-CN" altLang="en-US"/>
           </a:p>
           <a:p>
             <a:pPr lvl="4"/>
@@ -1233,7 +1211,6 @@
               <a:rPr lang="zh-CN" altLang="en-US"/>
               <a:t>第五级</a:t>
             </a:r>
-            <a:endParaRPr lang="zh-CN" altLang="en-US"/>
           </a:p>
         </p:txBody>
       </p:sp>
@@ -1254,6 +1231,7 @@
           <a:p>
             <a:fld id="{A1FA6FFC-C70C-4620-9505-2F6ADFF98B8F}" type="datetimeFigureOut">
               <a:rPr lang="zh-CN" altLang="en-US" smtClean="0"/>
+              <a:t>2023/10/24</a:t>
             </a:fld>
             <a:endParaRPr lang="zh-CN" altLang="en-US"/>
           </a:p>
@@ -1295,6 +1273,7 @@
           <a:p>
             <a:fld id="{4456821F-5CF5-4456-95B8-FA8955667817}" type="slidenum">
               <a:rPr lang="zh-CN" altLang="en-US" smtClean="0"/>
+              <a:t>‹#›</a:t>
             </a:fld>
             <a:endParaRPr lang="zh-CN" altLang="en-US"/>
           </a:p>
@@ -1349,7 +1328,6 @@
               <a:rPr lang="zh-CN" altLang="en-US"/>
               <a:t>单击此处编辑母版标题样式</a:t>
             </a:r>
-            <a:endParaRPr lang="zh-CN" altLang="en-US"/>
           </a:p>
         </p:txBody>
       </p:sp>
@@ -1415,7 +1393,6 @@
               <a:rPr lang="zh-CN" altLang="en-US"/>
               <a:t>编辑母版文本样式</a:t>
             </a:r>
-            <a:endParaRPr lang="zh-CN" altLang="en-US"/>
           </a:p>
         </p:txBody>
       </p:sp>
@@ -1444,7 +1421,6 @@
               <a:rPr lang="zh-CN" altLang="en-US"/>
               <a:t>编辑母版文本样式</a:t>
             </a:r>
-            <a:endParaRPr lang="zh-CN" altLang="en-US"/>
           </a:p>
           <a:p>
             <a:pPr lvl="1"/>
@@ -1452,7 +1428,6 @@
               <a:rPr lang="zh-CN" altLang="en-US"/>
               <a:t>第二级</a:t>
             </a:r>
-            <a:endParaRPr lang="zh-CN" altLang="en-US"/>
           </a:p>
           <a:p>
             <a:pPr lvl="2"/>
@@ -1460,7 +1435,6 @@
               <a:rPr lang="zh-CN" altLang="en-US"/>
               <a:t>第三级</a:t>
             </a:r>
-            <a:endParaRPr lang="zh-CN" altLang="en-US"/>
           </a:p>
           <a:p>
             <a:pPr lvl="3"/>
@@ -1468,7 +1442,6 @@
               <a:rPr lang="zh-CN" altLang="en-US"/>
               <a:t>第四级</a:t>
             </a:r>
-            <a:endParaRPr lang="zh-CN" altLang="en-US"/>
           </a:p>
           <a:p>
             <a:pPr lvl="4"/>
@@ -1476,7 +1449,6 @@
               <a:rPr lang="zh-CN" altLang="en-US"/>
               <a:t>第五级</a:t>
             </a:r>
-            <a:endParaRPr lang="zh-CN" altLang="en-US"/>
           </a:p>
         </p:txBody>
       </p:sp>
@@ -1542,7 +1514,6 @@
               <a:rPr lang="zh-CN" altLang="en-US"/>
               <a:t>编辑母版文本样式</a:t>
             </a:r>
-            <a:endParaRPr lang="zh-CN" altLang="en-US"/>
           </a:p>
         </p:txBody>
       </p:sp>
@@ -1571,7 +1542,6 @@
               <a:rPr lang="zh-CN" altLang="en-US"/>
               <a:t>编辑母版文本样式</a:t>
             </a:r>
-            <a:endParaRPr lang="zh-CN" altLang="en-US"/>
           </a:p>
           <a:p>
             <a:pPr lvl="1"/>
@@ -1579,7 +1549,6 @@
               <a:rPr lang="zh-CN" altLang="en-US"/>
               <a:t>第二级</a:t>
             </a:r>
-            <a:endParaRPr lang="zh-CN" altLang="en-US"/>
           </a:p>
           <a:p>
             <a:pPr lvl="2"/>
@@ -1587,7 +1556,6 @@
               <a:rPr lang="zh-CN" altLang="en-US"/>
               <a:t>第三级</a:t>
             </a:r>
-            <a:endParaRPr lang="zh-CN" altLang="en-US"/>
           </a:p>
           <a:p>
             <a:pPr lvl="3"/>
@@ -1595,7 +1563,6 @@
               <a:rPr lang="zh-CN" altLang="en-US"/>
               <a:t>第四级</a:t>
             </a:r>
-            <a:endParaRPr lang="zh-CN" altLang="en-US"/>
           </a:p>
           <a:p>
             <a:pPr lvl="4"/>
@@ -1603,7 +1570,6 @@
               <a:rPr lang="zh-CN" altLang="en-US"/>
               <a:t>第五级</a:t>
             </a:r>
-            <a:endParaRPr lang="zh-CN" altLang="en-US"/>
           </a:p>
         </p:txBody>
       </p:sp>
@@ -1624,6 +1590,7 @@
           <a:p>
             <a:fld id="{A1FA6FFC-C70C-4620-9505-2F6ADFF98B8F}" type="datetimeFigureOut">
               <a:rPr lang="zh-CN" altLang="en-US" smtClean="0"/>
+              <a:t>2023/10/24</a:t>
             </a:fld>
             <a:endParaRPr lang="zh-CN" altLang="en-US"/>
           </a:p>
@@ -1665,6 +1632,7 @@
           <a:p>
             <a:fld id="{4456821F-5CF5-4456-95B8-FA8955667817}" type="slidenum">
               <a:rPr lang="zh-CN" altLang="en-US" smtClean="0"/>
+              <a:t>‹#›</a:t>
             </a:fld>
             <a:endParaRPr lang="zh-CN" altLang="en-US"/>
           </a:p>
@@ -1714,7 +1682,6 @@
               <a:rPr lang="zh-CN" altLang="en-US"/>
               <a:t>单击此处编辑母版标题样式</a:t>
             </a:r>
-            <a:endParaRPr lang="zh-CN" altLang="en-US"/>
           </a:p>
         </p:txBody>
       </p:sp>
@@ -1735,6 +1702,7 @@
           <a:p>
             <a:fld id="{A1FA6FFC-C70C-4620-9505-2F6ADFF98B8F}" type="datetimeFigureOut">
               <a:rPr lang="zh-CN" altLang="en-US" smtClean="0"/>
+              <a:t>2023/10/24</a:t>
             </a:fld>
             <a:endParaRPr lang="zh-CN" altLang="en-US"/>
           </a:p>
@@ -1776,6 +1744,7 @@
           <a:p>
             <a:fld id="{4456821F-5CF5-4456-95B8-FA8955667817}" type="slidenum">
               <a:rPr lang="zh-CN" altLang="en-US" smtClean="0"/>
+              <a:t>‹#›</a:t>
             </a:fld>
             <a:endParaRPr lang="zh-CN" altLang="en-US"/>
           </a:p>
@@ -1823,6 +1792,7 @@
           <a:p>
             <a:fld id="{A1FA6FFC-C70C-4620-9505-2F6ADFF98B8F}" type="datetimeFigureOut">
               <a:rPr lang="zh-CN" altLang="en-US" smtClean="0"/>
+              <a:t>2023/10/24</a:t>
             </a:fld>
             <a:endParaRPr lang="zh-CN" altLang="en-US"/>
           </a:p>
@@ -1864,6 +1834,7 @@
           <a:p>
             <a:fld id="{4456821F-5CF5-4456-95B8-FA8955667817}" type="slidenum">
               <a:rPr lang="zh-CN" altLang="en-US" smtClean="0"/>
+              <a:t>‹#›</a:t>
             </a:fld>
             <a:endParaRPr lang="zh-CN" altLang="en-US"/>
           </a:p>
@@ -1922,7 +1893,6 @@
               <a:rPr lang="zh-CN" altLang="en-US"/>
               <a:t>单击此处编辑母版标题样式</a:t>
             </a:r>
-            <a:endParaRPr lang="zh-CN" altLang="en-US"/>
           </a:p>
         </p:txBody>
       </p:sp>
@@ -1979,7 +1949,6 @@
               <a:rPr lang="zh-CN" altLang="en-US"/>
               <a:t>编辑母版文本样式</a:t>
             </a:r>
-            <a:endParaRPr lang="zh-CN" altLang="en-US"/>
           </a:p>
           <a:p>
             <a:pPr lvl="1"/>
@@ -1987,7 +1956,6 @@
               <a:rPr lang="zh-CN" altLang="en-US"/>
               <a:t>第二级</a:t>
             </a:r>
-            <a:endParaRPr lang="zh-CN" altLang="en-US"/>
           </a:p>
           <a:p>
             <a:pPr lvl="2"/>
@@ -1995,7 +1963,6 @@
               <a:rPr lang="zh-CN" altLang="en-US"/>
               <a:t>第三级</a:t>
             </a:r>
-            <a:endParaRPr lang="zh-CN" altLang="en-US"/>
           </a:p>
           <a:p>
             <a:pPr lvl="3"/>
@@ -2003,7 +1970,6 @@
               <a:rPr lang="zh-CN" altLang="en-US"/>
               <a:t>第四级</a:t>
             </a:r>
-            <a:endParaRPr lang="zh-CN" altLang="en-US"/>
           </a:p>
           <a:p>
             <a:pPr lvl="4"/>
@@ -2011,7 +1977,6 @@
               <a:rPr lang="zh-CN" altLang="en-US"/>
               <a:t>第五级</a:t>
             </a:r>
-            <a:endParaRPr lang="zh-CN" altLang="en-US"/>
           </a:p>
         </p:txBody>
       </p:sp>
@@ -2077,7 +2042,6 @@
               <a:rPr lang="zh-CN" altLang="en-US"/>
               <a:t>编辑母版文本样式</a:t>
             </a:r>
-            <a:endParaRPr lang="zh-CN" altLang="en-US"/>
           </a:p>
         </p:txBody>
       </p:sp>
@@ -2098,6 +2062,7 @@
           <a:p>
             <a:fld id="{A1FA6FFC-C70C-4620-9505-2F6ADFF98B8F}" type="datetimeFigureOut">
               <a:rPr lang="zh-CN" altLang="en-US" smtClean="0"/>
+              <a:t>2023/10/24</a:t>
             </a:fld>
             <a:endParaRPr lang="zh-CN" altLang="en-US"/>
           </a:p>
@@ -2139,6 +2104,7 @@
           <a:p>
             <a:fld id="{4456821F-5CF5-4456-95B8-FA8955667817}" type="slidenum">
               <a:rPr lang="zh-CN" altLang="en-US" smtClean="0"/>
+              <a:t>‹#›</a:t>
             </a:fld>
             <a:endParaRPr lang="zh-CN" altLang="en-US"/>
           </a:p>
@@ -2197,7 +2163,6 @@
               <a:rPr lang="zh-CN" altLang="en-US"/>
               <a:t>单击此处编辑母版标题样式</a:t>
             </a:r>
-            <a:endParaRPr lang="zh-CN" altLang="en-US"/>
           </a:p>
         </p:txBody>
       </p:sp>
@@ -2324,7 +2289,6 @@
               <a:rPr lang="zh-CN" altLang="en-US"/>
               <a:t>编辑母版文本样式</a:t>
             </a:r>
-            <a:endParaRPr lang="zh-CN" altLang="en-US"/>
           </a:p>
         </p:txBody>
       </p:sp>
@@ -2345,6 +2309,7 @@
           <a:p>
             <a:fld id="{A1FA6FFC-C70C-4620-9505-2F6ADFF98B8F}" type="datetimeFigureOut">
               <a:rPr lang="zh-CN" altLang="en-US" smtClean="0"/>
+              <a:t>2023/10/24</a:t>
             </a:fld>
             <a:endParaRPr lang="zh-CN" altLang="en-US"/>
           </a:p>
@@ -2386,6 +2351,7 @@
           <a:p>
             <a:fld id="{4456821F-5CF5-4456-95B8-FA8955667817}" type="slidenum">
               <a:rPr lang="zh-CN" altLang="en-US" smtClean="0"/>
+              <a:t>‹#›</a:t>
             </a:fld>
             <a:endParaRPr lang="zh-CN" altLang="en-US"/>
           </a:p>
@@ -2450,7 +2416,6 @@
               <a:rPr lang="zh-CN" altLang="en-US"/>
               <a:t>单击此处编辑母版标题样式</a:t>
             </a:r>
-            <a:endParaRPr lang="zh-CN" altLang="en-US"/>
           </a:p>
         </p:txBody>
       </p:sp>
@@ -2484,7 +2449,6 @@
               <a:rPr lang="zh-CN" altLang="en-US"/>
               <a:t>编辑母版文本样式</a:t>
             </a:r>
-            <a:endParaRPr lang="zh-CN" altLang="en-US"/>
           </a:p>
           <a:p>
             <a:pPr lvl="1"/>
@@ -2492,7 +2456,6 @@
               <a:rPr lang="zh-CN" altLang="en-US"/>
               <a:t>第二级</a:t>
             </a:r>
-            <a:endParaRPr lang="zh-CN" altLang="en-US"/>
           </a:p>
           <a:p>
             <a:pPr lvl="2"/>
@@ -2500,7 +2463,6 @@
               <a:rPr lang="zh-CN" altLang="en-US"/>
               <a:t>第三级</a:t>
             </a:r>
-            <a:endParaRPr lang="zh-CN" altLang="en-US"/>
           </a:p>
           <a:p>
             <a:pPr lvl="3"/>
@@ -2508,7 +2470,6 @@
               <a:rPr lang="zh-CN" altLang="en-US"/>
               <a:t>第四级</a:t>
             </a:r>
-            <a:endParaRPr lang="zh-CN" altLang="en-US"/>
           </a:p>
           <a:p>
             <a:pPr lvl="4"/>
@@ -2516,7 +2477,6 @@
               <a:rPr lang="zh-CN" altLang="en-US"/>
               <a:t>第五级</a:t>
             </a:r>
-            <a:endParaRPr lang="zh-CN" altLang="en-US"/>
           </a:p>
         </p:txBody>
       </p:sp>
@@ -2555,6 +2515,7 @@
           <a:p>
             <a:fld id="{A1FA6FFC-C70C-4620-9505-2F6ADFF98B8F}" type="datetimeFigureOut">
               <a:rPr lang="zh-CN" altLang="en-US" smtClean="0"/>
+              <a:t>2023/10/24</a:t>
             </a:fld>
             <a:endParaRPr lang="zh-CN" altLang="en-US"/>
           </a:p>
@@ -2632,6 +2593,7 @@
           <a:p>
             <a:fld id="{4456821F-5CF5-4456-95B8-FA8955667817}" type="slidenum">
               <a:rPr lang="zh-CN" altLang="en-US" smtClean="0"/>
+              <a:t>‹#›</a:t>
             </a:fld>
             <a:endParaRPr lang="zh-CN" altLang="en-US"/>
           </a:p>
@@ -3079,14 +3041,6 @@
               </a:rPr>
               <a:t>系统操作手册</a:t>
             </a:r>
-            <a:endParaRPr lang="zh-CN" altLang="en-US" sz="4800" kern="1200">
-              <a:solidFill>
-                <a:schemeClr val="tx1"/>
-              </a:solidFill>
-              <a:latin typeface="+mj-lt"/>
-              <a:ea typeface="+mj-ea"/>
-              <a:cs typeface="+mj-cs"/>
-            </a:endParaRPr>
           </a:p>
         </p:txBody>
       </p:sp>
@@ -3678,11 +3632,6 @@
               </a:rPr>
               <a:t>任务确认</a:t>
             </a:r>
-            <a:endParaRPr lang="zh-CN" altLang="en-US" sz="5400">
-              <a:solidFill>
-                <a:srgbClr val="FFFFFF"/>
-              </a:solidFill>
-            </a:endParaRPr>
           </a:p>
         </p:txBody>
       </p:sp>
@@ -3716,11 +3665,6 @@
               </a:rPr>
               <a:t>对系统自动运行任务进行确认</a:t>
             </a:r>
-            <a:endParaRPr lang="zh-CN" altLang="en-US" sz="2000">
-              <a:solidFill>
-                <a:srgbClr val="95DAF6"/>
-              </a:solidFill>
-            </a:endParaRPr>
           </a:p>
         </p:txBody>
       </p:sp>
@@ -3770,7 +3714,7 @@
           <p:nvPr/>
         </p:nvPicPr>
         <p:blipFill>
-          <a:blip r:embed="rId1"/>
+          <a:blip r:embed="rId2"/>
           <a:stretch>
             <a:fillRect/>
           </a:stretch>
@@ -3942,11 +3886,6 @@
               </a:rPr>
               <a:t>下架</a:t>
             </a:r>
-            <a:endParaRPr lang="zh-CN" altLang="en-US" sz="5400">
-              <a:solidFill>
-                <a:srgbClr val="FFFFFF"/>
-              </a:solidFill>
-            </a:endParaRPr>
           </a:p>
         </p:txBody>
       </p:sp>
@@ -4004,11 +3943,6 @@
               </a:rPr>
               <a:t>都可操作</a:t>
             </a:r>
-            <a:endParaRPr lang="zh-CN" altLang="en-US" sz="2000">
-              <a:solidFill>
-                <a:srgbClr val="FFCF90"/>
-              </a:solidFill>
-            </a:endParaRPr>
           </a:p>
         </p:txBody>
       </p:sp>
@@ -4058,7 +3992,7 @@
           <p:nvPr/>
         </p:nvPicPr>
         <p:blipFill>
-          <a:blip r:embed="rId1"/>
+          <a:blip r:embed="rId2"/>
           <a:stretch>
             <a:fillRect/>
           </a:stretch>
@@ -4230,11 +4164,6 @@
               </a:rPr>
               <a:t>复核</a:t>
             </a:r>
-            <a:endParaRPr lang="zh-CN" altLang="en-US" sz="5400">
-              <a:solidFill>
-                <a:srgbClr val="FFFFFF"/>
-              </a:solidFill>
-            </a:endParaRPr>
           </a:p>
         </p:txBody>
       </p:sp>
@@ -4292,11 +4221,6 @@
               </a:rPr>
               <a:t>都可操作，一键复核</a:t>
             </a:r>
-            <a:endParaRPr lang="zh-CN" altLang="en-US" sz="2000">
-              <a:solidFill>
-                <a:srgbClr val="F3C184"/>
-              </a:solidFill>
-            </a:endParaRPr>
           </a:p>
         </p:txBody>
       </p:sp>
@@ -4346,7 +4270,7 @@
           <p:nvPr/>
         </p:nvPicPr>
         <p:blipFill>
-          <a:blip r:embed="rId1">
+          <a:blip r:embed="rId2">
             <a:extLst>
               <a:ext uri="{28A0092B-C50C-407E-A947-70E740481C1C}">
                 <a14:useLocalDpi xmlns:a14="http://schemas.microsoft.com/office/drawing/2010/main" val="0"/>
@@ -4544,11 +4468,6 @@
               </a:rPr>
               <a:t>回单</a:t>
             </a:r>
-            <a:endParaRPr lang="zh-CN" altLang="en-US" sz="5400">
-              <a:solidFill>
-                <a:srgbClr val="FFFFFF"/>
-              </a:solidFill>
-            </a:endParaRPr>
           </a:p>
         </p:txBody>
       </p:sp>
@@ -4582,11 +4501,6 @@
               </a:rPr>
               <a:t>如果需要可进行回单操作</a:t>
             </a:r>
-            <a:endParaRPr lang="zh-CN" altLang="en-US" sz="2000">
-              <a:solidFill>
-                <a:srgbClr val="EDC084"/>
-              </a:solidFill>
-            </a:endParaRPr>
           </a:p>
         </p:txBody>
       </p:sp>
@@ -4636,7 +4550,7 @@
           <p:nvPr/>
         </p:nvPicPr>
         <p:blipFill>
-          <a:blip r:embed="rId1">
+          <a:blip r:embed="rId2">
             <a:extLst>
               <a:ext uri="{28A0092B-C50C-407E-A947-70E740481C1C}">
                 <a14:useLocalDpi xmlns:a14="http://schemas.microsoft.com/office/drawing/2010/main" val="0"/>
@@ -4736,7 +4650,6 @@
               <a:rPr lang="zh-CN" altLang="en-US" dirty="0"/>
               <a:t>查询类</a:t>
             </a:r>
-            <a:endParaRPr lang="zh-CN" altLang="en-US" dirty="0"/>
           </a:p>
         </p:txBody>
       </p:sp>
@@ -4819,7 +4732,6 @@
               <a:rPr lang="zh-CN" altLang="en-US" dirty="0"/>
               <a:t>，其他参考系统查看</a:t>
             </a:r>
-            <a:endParaRPr lang="zh-CN" altLang="en-US" dirty="0"/>
           </a:p>
         </p:txBody>
       </p:sp>
@@ -4874,7 +4786,6 @@
               <a:rPr lang="zh-CN" altLang="en-US" dirty="0"/>
               <a:t>登陆方式</a:t>
             </a:r>
-            <a:endParaRPr lang="zh-CN" altLang="en-US" dirty="0"/>
           </a:p>
         </p:txBody>
       </p:sp>
@@ -4905,9 +4816,8 @@
             </a:r>
             <a:r>
               <a:rPr lang="en-US" altLang="zh-CN" dirty="0"/>
-              <a:t>http://119.91.141.42:8080/jeewms</a:t>
-            </a:r>
-            <a:endParaRPr lang="en-US" altLang="zh-CN" dirty="0"/>
+              <a:t>http://119.91.141.42:8080/jeewm</a:t>
+            </a:r>
           </a:p>
           <a:p>
             <a:pPr algn="l"/>
@@ -4923,11 +4833,6 @@
               </a:rPr>
               <a:t>admin</a:t>
             </a:r>
-            <a:endParaRPr lang="en-US" altLang="zh-CN" dirty="0">
-              <a:solidFill>
-                <a:srgbClr val="FF0000"/>
-              </a:solidFill>
-            </a:endParaRPr>
           </a:p>
           <a:p>
             <a:pPr algn="l"/>
@@ -4939,7 +4844,6 @@
               <a:rPr lang="en-US" altLang="zh-CN" dirty="0"/>
               <a:t>llg123</a:t>
             </a:r>
-            <a:endParaRPr lang="en-US" altLang="zh-CN" dirty="0"/>
           </a:p>
           <a:p>
             <a:endParaRPr lang="zh-CN" altLang="en-US" dirty="0"/>
@@ -5154,7 +5058,6 @@
               <a:rPr lang="en-US" altLang="zh-CN" sz="3400" dirty="0"/>
               <a:t>CHROME</a:t>
             </a:r>
-            <a:endParaRPr lang="en-US" altLang="zh-CN" sz="3400" dirty="0"/>
           </a:p>
           <a:p>
             <a:pPr algn="l"/>
@@ -5186,7 +5089,6 @@
               <a:rPr lang="en-US" altLang="zh-CN" sz="3400" dirty="0"/>
               <a:t> </a:t>
             </a:r>
-            <a:endParaRPr lang="en-US" altLang="zh-CN" sz="3400" dirty="0"/>
           </a:p>
           <a:p>
             <a:pPr algn="l"/>
@@ -5207,7 +5109,7 @@
           <p:nvPr/>
         </p:nvPicPr>
         <p:blipFill>
-          <a:blip r:embed="rId1">
+          <a:blip r:embed="rId2" cstate="print">
             <a:extLst>
               <a:ext uri="{28A0092B-C50C-407E-A947-70E740481C1C}">
                 <a14:useLocalDpi xmlns:a14="http://schemas.microsoft.com/office/drawing/2010/main" val="0"/>
@@ -5248,7 +5150,7 @@
           <p:nvPr/>
         </p:nvPicPr>
         <p:blipFill>
-          <a:blip r:embed="rId2">
+          <a:blip r:embed="rId3" cstate="print">
             <a:extLst>
               <a:ext uri="{28A0092B-C50C-407E-A947-70E740481C1C}">
                 <a14:useLocalDpi xmlns:a14="http://schemas.microsoft.com/office/drawing/2010/main" val="0"/>
@@ -5398,7 +5300,7 @@
           <p:nvPr/>
         </p:nvPicPr>
         <p:blipFill>
-          <a:blip r:embed="rId3">
+          <a:blip r:embed="rId4" cstate="print">
             <a:extLst>
               <a:ext uri="{28A0092B-C50C-407E-A947-70E740481C1C}">
                 <a14:useLocalDpi xmlns:a14="http://schemas.microsoft.com/office/drawing/2010/main" val="0"/>
@@ -5574,11 +5476,6 @@
               </a:rPr>
               <a:t>客户</a:t>
             </a:r>
-            <a:endParaRPr lang="zh-CN" altLang="en-US">
-              <a:solidFill>
-                <a:schemeClr val="bg1"/>
-              </a:solidFill>
-            </a:endParaRPr>
           </a:p>
         </p:txBody>
       </p:sp>
@@ -5611,15 +5508,7 @@
                   <a:schemeClr val="bg1"/>
                 </a:solidFill>
               </a:rPr>
-              <a:t>可以维护货主（三方物流）或工厂（生产</a:t>
-            </a:r>
-            <a:r>
-              <a:rPr lang="zh-CN" altLang="en-US" sz="2000">
-                <a:solidFill>
-                  <a:schemeClr val="bg1"/>
-                </a:solidFill>
-              </a:rPr>
-              <a:t>物流）</a:t>
+              <a:t>可以维护货主（三方物流）或工厂（生产物流）</a:t>
             </a:r>
             <a:endParaRPr lang="en-US" altLang="zh-CN" sz="2000">
               <a:solidFill>
@@ -5946,7 +5835,7 @@
           <p:nvPr/>
         </p:nvPicPr>
         <p:blipFill>
-          <a:blip r:embed="rId1">
+          <a:blip r:embed="rId2">
             <a:extLst>
               <a:ext uri="{28A0092B-C50C-407E-A947-70E740481C1C}">
                 <a14:useLocalDpi xmlns:a14="http://schemas.microsoft.com/office/drawing/2010/main" val="0"/>
@@ -6125,11 +6014,6 @@
               </a:rPr>
               <a:t>商品或物料</a:t>
             </a:r>
-            <a:endParaRPr lang="zh-CN" altLang="en-US" sz="5400">
-              <a:solidFill>
-                <a:srgbClr val="FFFFFF"/>
-              </a:solidFill>
-            </a:endParaRPr>
           </a:p>
         </p:txBody>
       </p:sp>
@@ -6163,11 +6047,6 @@
               </a:rPr>
               <a:t>商品编码和拆零单位和数量一定要有</a:t>
             </a:r>
-            <a:endParaRPr lang="zh-CN" altLang="en-US" sz="2000">
-              <a:solidFill>
-                <a:srgbClr val="FF643E"/>
-              </a:solidFill>
-            </a:endParaRPr>
           </a:p>
         </p:txBody>
       </p:sp>
@@ -6217,7 +6096,7 @@
           <p:nvPr/>
         </p:nvPicPr>
         <p:blipFill>
-          <a:blip r:embed="rId1">
+          <a:blip r:embed="rId2">
             <a:extLst>
               <a:ext uri="{28A0092B-C50C-407E-A947-70E740481C1C}">
                 <a14:useLocalDpi xmlns:a14="http://schemas.microsoft.com/office/drawing/2010/main" val="0"/>
@@ -6313,7 +6192,7 @@
           <p:nvPr/>
         </p:nvPicPr>
         <p:blipFill>
-          <a:blip r:embed="rId2">
+          <a:blip r:embed="rId3">
             <a:extLst>
               <a:ext uri="{28A0092B-C50C-407E-A947-70E740481C1C}">
                 <a14:useLocalDpi xmlns:a14="http://schemas.microsoft.com/office/drawing/2010/main" val="0"/>
@@ -6483,11 +6362,6 @@
               </a:rPr>
               <a:t>储位</a:t>
             </a:r>
-            <a:endParaRPr lang="zh-CN" altLang="en-US" sz="5400">
-              <a:solidFill>
-                <a:srgbClr val="FFFFFF"/>
-              </a:solidFill>
-            </a:endParaRPr>
           </a:p>
         </p:txBody>
       </p:sp>
@@ -6521,11 +6395,6 @@
               </a:rPr>
               <a:t>储位</a:t>
             </a:r>
-            <a:endParaRPr lang="zh-CN" altLang="en-US" sz="2000">
-              <a:solidFill>
-                <a:srgbClr val="FF6A45"/>
-              </a:solidFill>
-            </a:endParaRPr>
           </a:p>
         </p:txBody>
       </p:sp>
@@ -6575,7 +6444,7 @@
           <p:nvPr/>
         </p:nvPicPr>
         <p:blipFill>
-          <a:blip r:embed="rId1">
+          <a:blip r:embed="rId2">
             <a:extLst>
               <a:ext uri="{28A0092B-C50C-407E-A947-70E740481C1C}">
                 <a14:useLocalDpi xmlns:a14="http://schemas.microsoft.com/office/drawing/2010/main" val="0"/>
@@ -6662,7 +6531,7 @@
           <p:nvPr/>
         </p:nvPicPr>
         <p:blipFill>
-          <a:blip r:embed="rId2">
+          <a:blip r:embed="rId3">
             <a:extLst>
               <a:ext uri="{28A0092B-C50C-407E-A947-70E740481C1C}">
                 <a14:useLocalDpi xmlns:a14="http://schemas.microsoft.com/office/drawing/2010/main" val="0"/>
@@ -6832,11 +6701,6 @@
               </a:rPr>
               <a:t>进货通知</a:t>
             </a:r>
-            <a:endParaRPr lang="zh-CN" altLang="en-US" sz="5400">
-              <a:solidFill>
-                <a:srgbClr val="FFFFFF"/>
-              </a:solidFill>
-            </a:endParaRPr>
           </a:p>
         </p:txBody>
       </p:sp>
@@ -6870,11 +6734,6 @@
               </a:rPr>
               <a:t>货物验收和上架来源指令</a:t>
             </a:r>
-            <a:endParaRPr lang="zh-CN" altLang="en-US" sz="2000">
-              <a:solidFill>
-                <a:srgbClr val="F7A63A"/>
-              </a:solidFill>
-            </a:endParaRPr>
           </a:p>
         </p:txBody>
       </p:sp>
@@ -6924,7 +6783,7 @@
           <p:nvPr/>
         </p:nvPicPr>
         <p:blipFill>
-          <a:blip r:embed="rId1">
+          <a:blip r:embed="rId2">
             <a:extLst>
               <a:ext uri="{28A0092B-C50C-407E-A947-70E740481C1C}">
                 <a14:useLocalDpi xmlns:a14="http://schemas.microsoft.com/office/drawing/2010/main" val="0"/>
@@ -7011,7 +6870,7 @@
           <p:nvPr/>
         </p:nvPicPr>
         <p:blipFill>
-          <a:blip r:embed="rId2">
+          <a:blip r:embed="rId3" cstate="print">
             <a:extLst>
               <a:ext uri="{28A0092B-C50C-407E-A947-70E740481C1C}">
                 <a14:useLocalDpi xmlns:a14="http://schemas.microsoft.com/office/drawing/2010/main" val="0"/>
@@ -7181,11 +7040,6 @@
               </a:rPr>
               <a:t>进货验收</a:t>
             </a:r>
-            <a:endParaRPr lang="zh-CN" altLang="en-US" sz="5400">
-              <a:solidFill>
-                <a:srgbClr val="FFFFFF"/>
-              </a:solidFill>
-            </a:endParaRPr>
           </a:p>
         </p:txBody>
       </p:sp>
@@ -7243,11 +7097,6 @@
               </a:rPr>
               <a:t>都可操作</a:t>
             </a:r>
-            <a:endParaRPr lang="zh-CN" altLang="en-US" sz="2000">
-              <a:solidFill>
-                <a:srgbClr val="5FDBF9"/>
-              </a:solidFill>
-            </a:endParaRPr>
           </a:p>
         </p:txBody>
       </p:sp>
@@ -7297,7 +7146,7 @@
           <p:nvPr/>
         </p:nvPicPr>
         <p:blipFill>
-          <a:blip r:embed="rId1">
+          <a:blip r:embed="rId2">
             <a:extLst>
               <a:ext uri="{28A0092B-C50C-407E-A947-70E740481C1C}">
                 <a14:useLocalDpi xmlns:a14="http://schemas.microsoft.com/office/drawing/2010/main" val="0"/>
@@ -7393,7 +7242,7 @@
           <p:nvPr/>
         </p:nvPicPr>
         <p:blipFill>
-          <a:blip r:embed="rId2">
+          <a:blip r:embed="rId3">
             <a:extLst>
               <a:ext uri="{28A0092B-C50C-407E-A947-70E740481C1C}">
                 <a14:useLocalDpi xmlns:a14="http://schemas.microsoft.com/office/drawing/2010/main" val="0"/>
@@ -7572,11 +7421,6 @@
               </a:rPr>
               <a:t>进货上架</a:t>
             </a:r>
-            <a:endParaRPr lang="zh-CN" altLang="en-US" sz="5400">
-              <a:solidFill>
-                <a:srgbClr val="FFFFFF"/>
-              </a:solidFill>
-            </a:endParaRPr>
           </a:p>
         </p:txBody>
       </p:sp>
@@ -7634,11 +7478,6 @@
               </a:rPr>
               <a:t>都可操作</a:t>
             </a:r>
-            <a:endParaRPr lang="zh-CN" altLang="en-US" sz="2000">
-              <a:solidFill>
-                <a:srgbClr val="2ED1EA"/>
-              </a:solidFill>
-            </a:endParaRPr>
           </a:p>
         </p:txBody>
       </p:sp>
@@ -7688,7 +7527,7 @@
           <p:nvPr/>
         </p:nvPicPr>
         <p:blipFill>
-          <a:blip r:embed="rId1">
+          <a:blip r:embed="rId2">
             <a:extLst>
               <a:ext uri="{28A0092B-C50C-407E-A947-70E740481C1C}">
                 <a14:useLocalDpi xmlns:a14="http://schemas.microsoft.com/office/drawing/2010/main" val="0"/>
@@ -7775,7 +7614,7 @@
           <p:nvPr/>
         </p:nvPicPr>
         <p:blipFill>
-          <a:blip r:embed="rId2">
+          <a:blip r:embed="rId3">
             <a:extLst>
               <a:ext uri="{28A0092B-C50C-407E-A947-70E740481C1C}">
                 <a14:useLocalDpi xmlns:a14="http://schemas.microsoft.com/office/drawing/2010/main" val="0"/>
@@ -7945,11 +7784,6 @@
               </a:rPr>
               <a:t>出货通知</a:t>
             </a:r>
-            <a:endParaRPr lang="zh-CN" altLang="en-US" sz="5400">
-              <a:solidFill>
-                <a:srgbClr val="FFFFFF"/>
-              </a:solidFill>
-            </a:endParaRPr>
           </a:p>
         </p:txBody>
       </p:sp>
@@ -7983,11 +7817,6 @@
               </a:rPr>
               <a:t>下架指令</a:t>
             </a:r>
-            <a:endParaRPr lang="zh-CN" altLang="en-US" sz="2000">
-              <a:solidFill>
-                <a:srgbClr val="2FDAEF"/>
-              </a:solidFill>
-            </a:endParaRPr>
           </a:p>
         </p:txBody>
       </p:sp>
@@ -8031,93 +7860,6 @@
       <p:pic>
         <p:nvPicPr>
           <p:cNvPr id="8194" name="图片 165"/>
-          <p:cNvPicPr>
-            <a:picLocks noChangeAspect="1" noChangeArrowheads="1"/>
-          </p:cNvPicPr>
-          <p:nvPr/>
-        </p:nvPicPr>
-        <p:blipFill>
-          <a:blip r:embed="rId1">
-            <a:extLst>
-              <a:ext uri="{28A0092B-C50C-407E-A947-70E740481C1C}">
-                <a14:useLocalDpi xmlns:a14="http://schemas.microsoft.com/office/drawing/2010/main" val="0"/>
-              </a:ext>
-            </a:extLst>
-          </a:blip>
-          <a:stretch>
-            <a:fillRect/>
-          </a:stretch>
-        </p:blipFill>
-        <p:spPr bwMode="auto">
-          <a:xfrm>
-            <a:off x="331567" y="3300354"/>
-            <a:ext cx="5455917" cy="2250565"/>
-          </a:xfrm>
-          <a:prstGeom prst="rect">
-            <a:avLst/>
-          </a:prstGeom>
-          <a:noFill/>
-          <a:extLst>
-            <a:ext uri="{909E8E84-426E-40DD-AFC4-6F175D3DCCD1}">
-              <a14:hiddenFill xmlns:a14="http://schemas.microsoft.com/office/drawing/2010/main">
-                <a:solidFill>
-                  <a:srgbClr val="FFFFFF"/>
-                </a:solidFill>
-              </a14:hiddenFill>
-            </a:ext>
-            <a:ext uri="{91240B29-F687-4F45-9708-019B960494DF}">
-              <a14:hiddenLine xmlns:a14="http://schemas.microsoft.com/office/drawing/2010/main" w="9525">
-                <a:solidFill>
-                  <a:srgbClr val="000000"/>
-                </a:solidFill>
-                <a:miter lim="800000"/>
-                <a:headEnd/>
-                <a:tailEnd/>
-              </a14:hiddenLine>
-            </a:ext>
-          </a:extLst>
-        </p:spPr>
-      </p:pic>
-      <p:cxnSp>
-        <p:nvCxnSpPr>
-          <p:cNvPr id="76" name="Straight Connector 75"/>
-          <p:cNvCxnSpPr>
-            <a:cxnSpLocks noGrp="1" noRot="1" noChangeAspect="1" noMove="1" noResize="1" noEditPoints="1" noAdjustHandles="1" noChangeArrowheads="1" noChangeShapeType="1"/>
-          </p:cNvCxnSpPr>
-          <p:nvPr/>
-        </p:nvCxnSpPr>
-        <p:spPr>
-          <a:xfrm>
-            <a:off x="6116278" y="2596836"/>
-            <a:ext cx="0" cy="3657600"/>
-          </a:xfrm>
-          <a:prstGeom prst="line">
-            <a:avLst/>
-          </a:prstGeom>
-          <a:ln w="101600" cmpd="dbl">
-            <a:solidFill>
-              <a:srgbClr val="595959"/>
-            </a:solidFill>
-          </a:ln>
-        </p:spPr>
-        <p:style>
-          <a:lnRef idx="1">
-            <a:schemeClr val="accent1"/>
-          </a:lnRef>
-          <a:fillRef idx="0">
-            <a:schemeClr val="accent1"/>
-          </a:fillRef>
-          <a:effectRef idx="0">
-            <a:schemeClr val="accent1"/>
-          </a:effectRef>
-          <a:fontRef idx="minor">
-            <a:schemeClr val="tx1"/>
-          </a:fontRef>
-        </p:style>
-      </p:cxnSp>
-      <p:pic>
-        <p:nvPicPr>
-          <p:cNvPr id="8195" name="图片 166"/>
           <p:cNvPicPr>
             <a:picLocks noChangeAspect="1" noChangeArrowheads="1"/>
           </p:cNvPicPr>
@@ -8137,6 +7879,93 @@
         </p:blipFill>
         <p:spPr bwMode="auto">
           <a:xfrm>
+            <a:off x="331567" y="3300354"/>
+            <a:ext cx="5455917" cy="2250565"/>
+          </a:xfrm>
+          <a:prstGeom prst="rect">
+            <a:avLst/>
+          </a:prstGeom>
+          <a:noFill/>
+          <a:extLst>
+            <a:ext uri="{909E8E84-426E-40DD-AFC4-6F175D3DCCD1}">
+              <a14:hiddenFill xmlns:a14="http://schemas.microsoft.com/office/drawing/2010/main">
+                <a:solidFill>
+                  <a:srgbClr val="FFFFFF"/>
+                </a:solidFill>
+              </a14:hiddenFill>
+            </a:ext>
+            <a:ext uri="{91240B29-F687-4F45-9708-019B960494DF}">
+              <a14:hiddenLine xmlns:a14="http://schemas.microsoft.com/office/drawing/2010/main" w="9525">
+                <a:solidFill>
+                  <a:srgbClr val="000000"/>
+                </a:solidFill>
+                <a:miter lim="800000"/>
+                <a:headEnd/>
+                <a:tailEnd/>
+              </a14:hiddenLine>
+            </a:ext>
+          </a:extLst>
+        </p:spPr>
+      </p:pic>
+      <p:cxnSp>
+        <p:nvCxnSpPr>
+          <p:cNvPr id="76" name="Straight Connector 75"/>
+          <p:cNvCxnSpPr>
+            <a:cxnSpLocks noGrp="1" noRot="1" noChangeAspect="1" noMove="1" noResize="1" noEditPoints="1" noAdjustHandles="1" noChangeArrowheads="1" noChangeShapeType="1"/>
+          </p:cNvCxnSpPr>
+          <p:nvPr/>
+        </p:nvCxnSpPr>
+        <p:spPr>
+          <a:xfrm>
+            <a:off x="6116278" y="2596836"/>
+            <a:ext cx="0" cy="3657600"/>
+          </a:xfrm>
+          <a:prstGeom prst="line">
+            <a:avLst/>
+          </a:prstGeom>
+          <a:ln w="101600" cmpd="dbl">
+            <a:solidFill>
+              <a:srgbClr val="595959"/>
+            </a:solidFill>
+          </a:ln>
+        </p:spPr>
+        <p:style>
+          <a:lnRef idx="1">
+            <a:schemeClr val="accent1"/>
+          </a:lnRef>
+          <a:fillRef idx="0">
+            <a:schemeClr val="accent1"/>
+          </a:fillRef>
+          <a:effectRef idx="0">
+            <a:schemeClr val="accent1"/>
+          </a:effectRef>
+          <a:fontRef idx="minor">
+            <a:schemeClr val="tx1"/>
+          </a:fontRef>
+        </p:style>
+      </p:cxnSp>
+      <p:pic>
+        <p:nvPicPr>
+          <p:cNvPr id="8195" name="图片 166"/>
+          <p:cNvPicPr>
+            <a:picLocks noChangeAspect="1" noChangeArrowheads="1"/>
+          </p:cNvPicPr>
+          <p:nvPr/>
+        </p:nvPicPr>
+        <p:blipFill>
+          <a:blip r:embed="rId3" cstate="print">
+            <a:extLst>
+              <a:ext uri="{28A0092B-C50C-407E-A947-70E740481C1C}">
+                <a14:useLocalDpi xmlns:a14="http://schemas.microsoft.com/office/drawing/2010/main" val="0"/>
+              </a:ext>
+            </a:extLst>
+          </a:blip>
+          <a:stretch>
+            <a:fillRect/>
+          </a:stretch>
+        </p:blipFill>
+        <p:spPr bwMode="auto">
+          <a:xfrm>
             <a:off x="6445073" y="3436751"/>
             <a:ext cx="5455917" cy="1977770"/>
           </a:xfrm>
@@ -8174,7 +8003,7 @@
 </file>
 
 <file path=ppt/tags/tag1.xml><?xml version="1.0" encoding="utf-8"?>
-<p:tagLst xmlns:p="http://schemas.openxmlformats.org/presentationml/2006/main">
+<p:tagLst xmlns:a="http://schemas.openxmlformats.org/drawingml/2006/main" xmlns:r="http://schemas.openxmlformats.org/officeDocument/2006/relationships" xmlns:p="http://schemas.openxmlformats.org/presentationml/2006/main">
   <p:tag name="COMMONDATA" val="eyJoZGlkIjoiNmM4YjY1N2ZiOGY5YTE5ZDc3NjRhMTYwMDY1NjAxMWYifQ=="/>
   <p:tag name="KSO_WPP_MARK_KEY" val="ad54f38a-c8b8-47be-a23f-490fb11c72a4"/>
 </p:tagLst>
@@ -8431,6 +8260,8 @@
       </a:bgFillStyleLst>
     </a:fmtScheme>
   </a:themeElements>
+  <a:objectDefaults/>
+  <a:extraClrSchemeLst/>
   <a:extLst>
     <a:ext uri="{05A4C25C-085E-4340-85A3-A5531E510DB2}">
       <thm15:themeFamily xmlns:thm15="http://schemas.microsoft.com/office/thememl/2012/main" name="Office Theme" id="{62F939B6-93AF-4DB8-9C6B-D6C7DFDC589F}" vid="{4A3C46E8-61CC-4603-A589-7422A47A8E4A}"/>
